--- a/ARL RFE APEX APPLICATION.pptx
+++ b/ARL RFE APEX APPLICATION.pptx
@@ -11,6 +11,17 @@
     <p:sldId id="258" r:id="rId6"/>
     <p:sldId id="259" r:id="rId7"/>
     <p:sldId id="260" r:id="rId8"/>
+    <p:sldId id="261" r:id="rId9"/>
+    <p:sldId id="262" r:id="rId10"/>
+    <p:sldId id="263" r:id="rId11"/>
+    <p:sldId id="264" r:id="rId12"/>
+    <p:sldId id="265" r:id="rId13"/>
+    <p:sldId id="266" r:id="rId14"/>
+    <p:sldId id="267" r:id="rId15"/>
+    <p:sldId id="268" r:id="rId16"/>
+    <p:sldId id="269" r:id="rId17"/>
+    <p:sldId id="270" r:id="rId18"/>
+    <p:sldId id="271" r:id="rId19"/>
   </p:sldIdLst>
   <p:sldSz cx="9144000" cy="6858000"/>
   <p:notesSz cx="7772400" cy="10058400"/>
@@ -2723,7 +2734,7 @@
                 <a:spcPct val="100000"/>
               </a:lnSpc>
             </a:pPr>
-            <a:fld id="{EC82A855-1940-4B1D-9943-01664966B47C}" type="slidenum">
+            <a:fld id="{7276228A-4180-4F6C-A9B9-02A518146456}" type="slidenum">
               <a:rPr lang="en-US" sz="1000">
                 <a:solidFill>
                   <a:srgbClr val="ffffff"/>
@@ -3322,7 +3333,7 @@
                 <a:spcPct val="100000"/>
               </a:lnSpc>
             </a:pPr>
-            <a:fld id="{175C6CD2-B6B7-4141-B270-53085191DF6F}" type="slidenum">
+            <a:fld id="{C9668125-38B6-4906-A773-E3AE2A728212}" type="slidenum">
               <a:rPr lang="en-US" sz="1000">
                 <a:solidFill>
                   <a:srgbClr val="000000"/>
@@ -3493,6 +3504,865 @@
           <p:childTnLst>
             <p:seq>
               <p:cTn id="2" nodeType="mainSeq"/>
+              <p:prevCondLst>
+                <p:cond delay="0" evt="onPrev">
+                  <p:tgtEl>
+                    <p:sldTgt/>
+                  </p:tgtEl>
+                </p:cond>
+              </p:prevCondLst>
+              <p:nextCondLst>
+                <p:cond delay="0" evt="onNext">
+                  <p:tgtEl>
+                    <p:sldTgt/>
+                  </p:tgtEl>
+                </p:cond>
+              </p:nextCondLst>
+            </p:seq>
+          </p:childTnLst>
+        </p:cTn>
+      </p:par>
+    </p:tnLst>
+  </p:timing>
+</p:sld>
+</file>
+
+<file path=ppt/slides/slide10.xml><?xml version="1.0" encoding="utf-8"?>
+<p:sld xmlns:a="http://schemas.openxmlformats.org/drawingml/2006/main" xmlns:p="http://schemas.openxmlformats.org/presentationml/2006/main" xmlns:r="http://schemas.openxmlformats.org/officeDocument/2006/relationships">
+  <p:cSld>
+    <p:spTree>
+      <p:nvGrpSpPr>
+        <p:cNvPr id="1" name=""/>
+        <p:cNvGrpSpPr/>
+        <p:nvPr/>
+      </p:nvGrpSpPr>
+      <p:grpSpPr>
+        <a:xfrm>
+          <a:off x="0" y="0"/>
+          <a:ext cx="0" cy="0"/>
+          <a:chOff x="0" y="0"/>
+          <a:chExt cx="0" cy="0"/>
+        </a:xfrm>
+      </p:grpSpPr>
+      <p:sp>
+        <p:nvSpPr>
+          <p:cNvPr id="109" name="TextShape 1"/>
+          <p:cNvSpPr txBox="1"/>
+          <p:nvPr/>
+        </p:nvSpPr>
+        <p:spPr>
+          <a:xfrm>
+            <a:off x="457200" y="274680"/>
+            <a:ext cx="8229240" cy="1142640"/>
+          </a:xfrm>
+          <a:prstGeom prst="rect">
+            <a:avLst/>
+          </a:prstGeom>
+        </p:spPr>
+        <p:txBody>
+          <a:bodyPr lIns="0" rIns="0" tIns="0" bIns="0" anchor="ctr"/>
+          <a:p>
+            <a:pPr>
+              <a:lnSpc>
+                <a:spcPct val="100000"/>
+              </a:lnSpc>
+            </a:pPr>
+            <a:r>
+              <a:rPr b="1" lang="en-US" sz="4100">
+                <a:solidFill>
+                  <a:srgbClr val="464646"/>
+                </a:solidFill>
+                <a:latin typeface="Lucida Sans Unicode"/>
+              </a:rPr>
+              <a:t>Approvals</a:t>
+            </a:r>
+            <a:endParaRPr/>
+          </a:p>
+        </p:txBody>
+      </p:sp>
+      <p:pic>
+        <p:nvPicPr>
+          <p:cNvPr id="110" name="" descr=""/>
+          <p:cNvPicPr/>
+          <p:nvPr/>
+        </p:nvPicPr>
+        <p:blipFill>
+          <a:blip r:embed="rId1"/>
+          <a:srcRect l="0" t="9982" r="998" b="5206"/>
+          <a:stretch>
+            <a:fillRect/>
+          </a:stretch>
+        </p:blipFill>
+        <p:spPr>
+          <a:xfrm>
+            <a:off x="91440" y="1188720"/>
+            <a:ext cx="8869680" cy="4663440"/>
+          </a:xfrm>
+          <a:prstGeom prst="rect">
+            <a:avLst/>
+          </a:prstGeom>
+          <a:ln>
+            <a:noFill/>
+          </a:ln>
+        </p:spPr>
+      </p:pic>
+    </p:spTree>
+  </p:cSld>
+  <p:timing>
+    <p:tnLst>
+      <p:par>
+        <p:cTn id="19" dur="indefinite" restart="never" nodeType="tmRoot">
+          <p:childTnLst>
+            <p:seq>
+              <p:cTn id="20" nodeType="mainSeq"/>
+              <p:prevCondLst>
+                <p:cond delay="0" evt="onPrev">
+                  <p:tgtEl>
+                    <p:sldTgt/>
+                  </p:tgtEl>
+                </p:cond>
+              </p:prevCondLst>
+              <p:nextCondLst>
+                <p:cond delay="0" evt="onNext">
+                  <p:tgtEl>
+                    <p:sldTgt/>
+                  </p:tgtEl>
+                </p:cond>
+              </p:nextCondLst>
+            </p:seq>
+          </p:childTnLst>
+        </p:cTn>
+      </p:par>
+    </p:tnLst>
+  </p:timing>
+</p:sld>
+</file>
+
+<file path=ppt/slides/slide11.xml><?xml version="1.0" encoding="utf-8"?>
+<p:sld xmlns:a="http://schemas.openxmlformats.org/drawingml/2006/main" xmlns:p="http://schemas.openxmlformats.org/presentationml/2006/main" xmlns:r="http://schemas.openxmlformats.org/officeDocument/2006/relationships">
+  <p:cSld>
+    <p:spTree>
+      <p:nvGrpSpPr>
+        <p:cNvPr id="1" name=""/>
+        <p:cNvGrpSpPr/>
+        <p:nvPr/>
+      </p:nvGrpSpPr>
+      <p:grpSpPr>
+        <a:xfrm>
+          <a:off x="0" y="0"/>
+          <a:ext cx="0" cy="0"/>
+          <a:chOff x="0" y="0"/>
+          <a:chExt cx="0" cy="0"/>
+        </a:xfrm>
+      </p:grpSpPr>
+      <p:sp>
+        <p:nvSpPr>
+          <p:cNvPr id="111" name="TextShape 1"/>
+          <p:cNvSpPr txBox="1"/>
+          <p:nvPr/>
+        </p:nvSpPr>
+        <p:spPr>
+          <a:xfrm>
+            <a:off x="457200" y="274680"/>
+            <a:ext cx="8229240" cy="1142640"/>
+          </a:xfrm>
+          <a:prstGeom prst="rect">
+            <a:avLst/>
+          </a:prstGeom>
+        </p:spPr>
+        <p:txBody>
+          <a:bodyPr lIns="0" rIns="0" tIns="0" bIns="0" anchor="ctr"/>
+          <a:p>
+            <a:pPr>
+              <a:lnSpc>
+                <a:spcPct val="100000"/>
+              </a:lnSpc>
+            </a:pPr>
+            <a:r>
+              <a:rPr b="1" lang="en-US" sz="4100">
+                <a:solidFill>
+                  <a:srgbClr val="464646"/>
+                </a:solidFill>
+                <a:latin typeface="Lucida Sans Unicode"/>
+              </a:rPr>
+              <a:t>Part II Application</a:t>
+            </a:r>
+            <a:endParaRPr/>
+          </a:p>
+        </p:txBody>
+      </p:sp>
+      <p:sp>
+        <p:nvSpPr>
+          <p:cNvPr id="112" name="TextShape 2"/>
+          <p:cNvSpPr txBox="1"/>
+          <p:nvPr/>
+        </p:nvSpPr>
+        <p:spPr>
+          <a:xfrm>
+            <a:off x="365760" y="1371600"/>
+            <a:ext cx="8503920" cy="3659040"/>
+          </a:xfrm>
+          <a:prstGeom prst="rect">
+            <a:avLst/>
+          </a:prstGeom>
+        </p:spPr>
+        <p:txBody>
+          <a:bodyPr lIns="0" rIns="0" tIns="0" bIns="0"/>
+          <a:p>
+            <a:pPr>
+              <a:buSzPct val="45000"/>
+              <a:buFont typeface="StarSymbol"/>
+              <a:buChar char=""/>
+            </a:pPr>
+            <a:r>
+              <a:rPr lang="en-US" sz="2000">
+                <a:latin typeface="Times New Roman"/>
+              </a:rPr>
+              <a:t>Simulation of a database used to store intramural sports for any university and/or high school.</a:t>
+            </a:r>
+            <a:endParaRPr/>
+          </a:p>
+          <a:p>
+            <a:pPr>
+              <a:buSzPct val="45000"/>
+              <a:buFont typeface="StarSymbol"/>
+              <a:buChar char=""/>
+            </a:pPr>
+            <a:r>
+              <a:rPr lang="en-US" sz="2000">
+                <a:latin typeface="Times New Roman"/>
+              </a:rPr>
+              <a:t>Consists of pages that display data of the: </a:t>
+            </a:r>
+            <a:endParaRPr/>
+          </a:p>
+          <a:p>
+            <a:pPr lvl="1">
+              <a:buSzPct val="45000"/>
+              <a:buFont typeface="StarSymbol"/>
+              <a:buChar char=""/>
+            </a:pPr>
+            <a:r>
+              <a:rPr lang="en-US" sz="2000">
+                <a:latin typeface="Times New Roman"/>
+              </a:rPr>
+              <a:t>Sports that are being played throughout intramurals</a:t>
+            </a:r>
+            <a:endParaRPr/>
+          </a:p>
+          <a:p>
+            <a:pPr lvl="1">
+              <a:buSzPct val="45000"/>
+              <a:buFont typeface="StarSymbol"/>
+              <a:buChar char=""/>
+            </a:pPr>
+            <a:r>
+              <a:rPr lang="en-US" sz="2000">
+                <a:latin typeface="Times New Roman"/>
+              </a:rPr>
+              <a:t>Teams that are currently registered</a:t>
+            </a:r>
+            <a:endParaRPr/>
+          </a:p>
+          <a:p>
+            <a:pPr lvl="1">
+              <a:buSzPct val="45000"/>
+              <a:buFont typeface="StarSymbol"/>
+              <a:buChar char=""/>
+            </a:pPr>
+            <a:r>
+              <a:rPr lang="en-US" sz="2000">
+                <a:latin typeface="Times New Roman"/>
+              </a:rPr>
+              <a:t>Page for all the team members of every team</a:t>
+            </a:r>
+            <a:endParaRPr/>
+          </a:p>
+          <a:p>
+            <a:pPr>
+              <a:buSzPct val="45000"/>
+              <a:buFont typeface="StarSymbol"/>
+              <a:buChar char=""/>
+            </a:pPr>
+            <a:r>
+              <a:rPr lang="en-US" sz="2000">
+                <a:latin typeface="Times New Roman"/>
+              </a:rPr>
+              <a:t>The last page of the application is a query that allows for you to select a specific query in SQL and get JSON in return</a:t>
+            </a:r>
+            <a:r>
+              <a:rPr lang="en-US" sz="2000">
+                <a:latin typeface="Times New Roman"/>
+              </a:rPr>
+              <a:t>
+</a:t>
+            </a:r>
+            <a:endParaRPr/>
+          </a:p>
+        </p:txBody>
+      </p:sp>
+    </p:spTree>
+  </p:cSld>
+  <p:timing>
+    <p:tnLst>
+      <p:par>
+        <p:cTn id="21" dur="indefinite" restart="never" nodeType="tmRoot">
+          <p:childTnLst>
+            <p:seq>
+              <p:cTn id="22" nodeType="mainSeq"/>
+              <p:prevCondLst>
+                <p:cond delay="0" evt="onPrev">
+                  <p:tgtEl>
+                    <p:sldTgt/>
+                  </p:tgtEl>
+                </p:cond>
+              </p:prevCondLst>
+              <p:nextCondLst>
+                <p:cond delay="0" evt="onNext">
+                  <p:tgtEl>
+                    <p:sldTgt/>
+                  </p:tgtEl>
+                </p:cond>
+              </p:nextCondLst>
+            </p:seq>
+          </p:childTnLst>
+        </p:cTn>
+      </p:par>
+    </p:tnLst>
+  </p:timing>
+</p:sld>
+</file>
+
+<file path=ppt/slides/slide12.xml><?xml version="1.0" encoding="utf-8"?>
+<p:sld xmlns:a="http://schemas.openxmlformats.org/drawingml/2006/main" xmlns:p="http://schemas.openxmlformats.org/presentationml/2006/main" xmlns:r="http://schemas.openxmlformats.org/officeDocument/2006/relationships">
+  <p:cSld>
+    <p:spTree>
+      <p:nvGrpSpPr>
+        <p:cNvPr id="1" name=""/>
+        <p:cNvGrpSpPr/>
+        <p:nvPr/>
+      </p:nvGrpSpPr>
+      <p:grpSpPr>
+        <a:xfrm>
+          <a:off x="0" y="0"/>
+          <a:ext cx="0" cy="0"/>
+          <a:chOff x="0" y="0"/>
+          <a:chExt cx="0" cy="0"/>
+        </a:xfrm>
+      </p:grpSpPr>
+      <p:sp>
+        <p:nvSpPr>
+          <p:cNvPr id="113" name="TextShape 1"/>
+          <p:cNvSpPr txBox="1"/>
+          <p:nvPr/>
+        </p:nvSpPr>
+        <p:spPr>
+          <a:xfrm>
+            <a:off x="457200" y="274680"/>
+            <a:ext cx="8229240" cy="1142640"/>
+          </a:xfrm>
+          <a:prstGeom prst="rect">
+            <a:avLst/>
+          </a:prstGeom>
+        </p:spPr>
+        <p:txBody>
+          <a:bodyPr lIns="0" rIns="0" tIns="0" bIns="0" anchor="ctr"/>
+          <a:p>
+            <a:pPr>
+              <a:lnSpc>
+                <a:spcPct val="100000"/>
+              </a:lnSpc>
+            </a:pPr>
+            <a:r>
+              <a:rPr b="1" lang="en-US" sz="4100">
+                <a:solidFill>
+                  <a:srgbClr val="464646"/>
+                </a:solidFill>
+                <a:latin typeface="Lucida Sans Unicode"/>
+              </a:rPr>
+              <a:t>Phone Application </a:t>
+            </a:r>
+            <a:endParaRPr/>
+          </a:p>
+        </p:txBody>
+      </p:sp>
+      <p:pic>
+        <p:nvPicPr>
+          <p:cNvPr id="114" name="" descr=""/>
+          <p:cNvPicPr/>
+          <p:nvPr/>
+        </p:nvPicPr>
+        <p:blipFill>
+          <a:blip r:embed="rId1"/>
+          <a:stretch>
+            <a:fillRect/>
+          </a:stretch>
+        </p:blipFill>
+        <p:spPr>
+          <a:xfrm>
+            <a:off x="2743200" y="1188720"/>
+            <a:ext cx="3200400" cy="5212080"/>
+          </a:xfrm>
+          <a:prstGeom prst="rect">
+            <a:avLst/>
+          </a:prstGeom>
+          <a:ln>
+            <a:noFill/>
+          </a:ln>
+        </p:spPr>
+      </p:pic>
+    </p:spTree>
+  </p:cSld>
+  <p:timing>
+    <p:tnLst>
+      <p:par>
+        <p:cTn id="23" dur="indefinite" restart="never" nodeType="tmRoot">
+          <p:childTnLst>
+            <p:seq>
+              <p:cTn id="24" nodeType="mainSeq"/>
+              <p:prevCondLst>
+                <p:cond delay="0" evt="onPrev">
+                  <p:tgtEl>
+                    <p:sldTgt/>
+                  </p:tgtEl>
+                </p:cond>
+              </p:prevCondLst>
+              <p:nextCondLst>
+                <p:cond delay="0" evt="onNext">
+                  <p:tgtEl>
+                    <p:sldTgt/>
+                  </p:tgtEl>
+                </p:cond>
+              </p:nextCondLst>
+            </p:seq>
+          </p:childTnLst>
+        </p:cTn>
+      </p:par>
+    </p:tnLst>
+  </p:timing>
+</p:sld>
+</file>
+
+<file path=ppt/slides/slide13.xml><?xml version="1.0" encoding="utf-8"?>
+<p:sld xmlns:a="http://schemas.openxmlformats.org/drawingml/2006/main" xmlns:p="http://schemas.openxmlformats.org/presentationml/2006/main" xmlns:r="http://schemas.openxmlformats.org/officeDocument/2006/relationships">
+  <p:cSld>
+    <p:spTree>
+      <p:nvGrpSpPr>
+        <p:cNvPr id="1" name=""/>
+        <p:cNvGrpSpPr/>
+        <p:nvPr/>
+      </p:nvGrpSpPr>
+      <p:grpSpPr>
+        <a:xfrm>
+          <a:off x="0" y="0"/>
+          <a:ext cx="0" cy="0"/>
+          <a:chOff x="0" y="0"/>
+          <a:chExt cx="0" cy="0"/>
+        </a:xfrm>
+      </p:grpSpPr>
+      <p:sp>
+        <p:nvSpPr>
+          <p:cNvPr id="115" name="TextShape 1"/>
+          <p:cNvSpPr txBox="1"/>
+          <p:nvPr/>
+        </p:nvSpPr>
+        <p:spPr>
+          <a:xfrm>
+            <a:off x="457200" y="274680"/>
+            <a:ext cx="8229240" cy="1142640"/>
+          </a:xfrm>
+          <a:prstGeom prst="rect">
+            <a:avLst/>
+          </a:prstGeom>
+        </p:spPr>
+        <p:txBody>
+          <a:bodyPr lIns="0" rIns="0" tIns="0" bIns="0" anchor="ctr"/>
+          <a:p>
+            <a:pPr>
+              <a:lnSpc>
+                <a:spcPct val="100000"/>
+              </a:lnSpc>
+            </a:pPr>
+            <a:r>
+              <a:rPr b="1" lang="en-US" sz="4100">
+                <a:solidFill>
+                  <a:srgbClr val="464646"/>
+                </a:solidFill>
+                <a:latin typeface="Lucida Sans Unicode"/>
+              </a:rPr>
+              <a:t>Phone Application </a:t>
+            </a:r>
+            <a:endParaRPr/>
+          </a:p>
+        </p:txBody>
+      </p:sp>
+      <p:pic>
+        <p:nvPicPr>
+          <p:cNvPr id="116" name="" descr=""/>
+          <p:cNvPicPr/>
+          <p:nvPr/>
+        </p:nvPicPr>
+        <p:blipFill>
+          <a:blip r:embed="rId1"/>
+          <a:stretch>
+            <a:fillRect/>
+          </a:stretch>
+        </p:blipFill>
+        <p:spPr>
+          <a:xfrm>
+            <a:off x="3003120" y="1188720"/>
+            <a:ext cx="2940480" cy="5257800"/>
+          </a:xfrm>
+          <a:prstGeom prst="rect">
+            <a:avLst/>
+          </a:prstGeom>
+          <a:ln>
+            <a:noFill/>
+          </a:ln>
+        </p:spPr>
+      </p:pic>
+    </p:spTree>
+  </p:cSld>
+  <p:timing>
+    <p:tnLst>
+      <p:par>
+        <p:cTn id="25" dur="indefinite" restart="never" nodeType="tmRoot">
+          <p:childTnLst>
+            <p:seq>
+              <p:cTn id="26" nodeType="mainSeq"/>
+              <p:prevCondLst>
+                <p:cond delay="0" evt="onPrev">
+                  <p:tgtEl>
+                    <p:sldTgt/>
+                  </p:tgtEl>
+                </p:cond>
+              </p:prevCondLst>
+              <p:nextCondLst>
+                <p:cond delay="0" evt="onNext">
+                  <p:tgtEl>
+                    <p:sldTgt/>
+                  </p:tgtEl>
+                </p:cond>
+              </p:nextCondLst>
+            </p:seq>
+          </p:childTnLst>
+        </p:cTn>
+      </p:par>
+    </p:tnLst>
+  </p:timing>
+</p:sld>
+</file>
+
+<file path=ppt/slides/slide14.xml><?xml version="1.0" encoding="utf-8"?>
+<p:sld xmlns:a="http://schemas.openxmlformats.org/drawingml/2006/main" xmlns:p="http://schemas.openxmlformats.org/presentationml/2006/main" xmlns:r="http://schemas.openxmlformats.org/officeDocument/2006/relationships">
+  <p:cSld>
+    <p:spTree>
+      <p:nvGrpSpPr>
+        <p:cNvPr id="1" name=""/>
+        <p:cNvGrpSpPr/>
+        <p:nvPr/>
+      </p:nvGrpSpPr>
+      <p:grpSpPr>
+        <a:xfrm>
+          <a:off x="0" y="0"/>
+          <a:ext cx="0" cy="0"/>
+          <a:chOff x="0" y="0"/>
+          <a:chExt cx="0" cy="0"/>
+        </a:xfrm>
+      </p:grpSpPr>
+      <p:sp>
+        <p:nvSpPr>
+          <p:cNvPr id="117" name="TextShape 1"/>
+          <p:cNvSpPr txBox="1"/>
+          <p:nvPr/>
+        </p:nvSpPr>
+        <p:spPr>
+          <a:xfrm>
+            <a:off x="457200" y="274680"/>
+            <a:ext cx="8229240" cy="1142640"/>
+          </a:xfrm>
+          <a:prstGeom prst="rect">
+            <a:avLst/>
+          </a:prstGeom>
+        </p:spPr>
+        <p:txBody>
+          <a:bodyPr lIns="0" rIns="0" tIns="0" bIns="0" anchor="ctr"/>
+          <a:p>
+            <a:pPr>
+              <a:lnSpc>
+                <a:spcPct val="100000"/>
+              </a:lnSpc>
+            </a:pPr>
+            <a:r>
+              <a:rPr b="1" lang="en-US" sz="4100">
+                <a:solidFill>
+                  <a:srgbClr val="464646"/>
+                </a:solidFill>
+                <a:latin typeface="Lucida Sans Unicode"/>
+              </a:rPr>
+              <a:t>Phone Application </a:t>
+            </a:r>
+            <a:endParaRPr/>
+          </a:p>
+        </p:txBody>
+      </p:sp>
+      <p:pic>
+        <p:nvPicPr>
+          <p:cNvPr id="118" name="" descr=""/>
+          <p:cNvPicPr/>
+          <p:nvPr/>
+        </p:nvPicPr>
+        <p:blipFill>
+          <a:blip r:embed="rId1"/>
+          <a:stretch>
+            <a:fillRect/>
+          </a:stretch>
+        </p:blipFill>
+        <p:spPr>
+          <a:xfrm>
+            <a:off x="2926080" y="1188720"/>
+            <a:ext cx="3108960" cy="5230080"/>
+          </a:xfrm>
+          <a:prstGeom prst="rect">
+            <a:avLst/>
+          </a:prstGeom>
+          <a:ln>
+            <a:noFill/>
+          </a:ln>
+        </p:spPr>
+      </p:pic>
+    </p:spTree>
+  </p:cSld>
+  <p:timing>
+    <p:tnLst>
+      <p:par>
+        <p:cTn id="27" dur="indefinite" restart="never" nodeType="tmRoot">
+          <p:childTnLst>
+            <p:seq>
+              <p:cTn id="28" nodeType="mainSeq"/>
+              <p:prevCondLst>
+                <p:cond delay="0" evt="onPrev">
+                  <p:tgtEl>
+                    <p:sldTgt/>
+                  </p:tgtEl>
+                </p:cond>
+              </p:prevCondLst>
+              <p:nextCondLst>
+                <p:cond delay="0" evt="onNext">
+                  <p:tgtEl>
+                    <p:sldTgt/>
+                  </p:tgtEl>
+                </p:cond>
+              </p:nextCondLst>
+            </p:seq>
+          </p:childTnLst>
+        </p:cTn>
+      </p:par>
+    </p:tnLst>
+  </p:timing>
+</p:sld>
+</file>
+
+<file path=ppt/slides/slide15.xml><?xml version="1.0" encoding="utf-8"?>
+<p:sld xmlns:a="http://schemas.openxmlformats.org/drawingml/2006/main" xmlns:p="http://schemas.openxmlformats.org/presentationml/2006/main" xmlns:r="http://schemas.openxmlformats.org/officeDocument/2006/relationships">
+  <p:cSld>
+    <p:spTree>
+      <p:nvGrpSpPr>
+        <p:cNvPr id="1" name=""/>
+        <p:cNvGrpSpPr/>
+        <p:nvPr/>
+      </p:nvGrpSpPr>
+      <p:grpSpPr>
+        <a:xfrm>
+          <a:off x="0" y="0"/>
+          <a:ext cx="0" cy="0"/>
+          <a:chOff x="0" y="0"/>
+          <a:chExt cx="0" cy="0"/>
+        </a:xfrm>
+      </p:grpSpPr>
+      <p:sp>
+        <p:nvSpPr>
+          <p:cNvPr id="119" name="TextShape 1"/>
+          <p:cNvSpPr txBox="1"/>
+          <p:nvPr/>
+        </p:nvSpPr>
+        <p:spPr>
+          <a:xfrm>
+            <a:off x="457200" y="274680"/>
+            <a:ext cx="8229240" cy="1142640"/>
+          </a:xfrm>
+          <a:prstGeom prst="rect">
+            <a:avLst/>
+          </a:prstGeom>
+        </p:spPr>
+        <p:txBody>
+          <a:bodyPr lIns="0" rIns="0" tIns="0" bIns="0" anchor="ctr"/>
+          <a:p>
+            <a:pPr>
+              <a:lnSpc>
+                <a:spcPct val="100000"/>
+              </a:lnSpc>
+            </a:pPr>
+            <a:r>
+              <a:rPr b="1" lang="en-US" sz="4100">
+                <a:solidFill>
+                  <a:srgbClr val="464646"/>
+                </a:solidFill>
+                <a:latin typeface="Lucida Sans Unicode"/>
+              </a:rPr>
+              <a:t>Phone Application </a:t>
+            </a:r>
+            <a:endParaRPr/>
+          </a:p>
+        </p:txBody>
+      </p:sp>
+      <p:pic>
+        <p:nvPicPr>
+          <p:cNvPr id="120" name="" descr=""/>
+          <p:cNvPicPr/>
+          <p:nvPr/>
+        </p:nvPicPr>
+        <p:blipFill>
+          <a:blip r:embed="rId1"/>
+          <a:stretch>
+            <a:fillRect/>
+          </a:stretch>
+        </p:blipFill>
+        <p:spPr>
+          <a:xfrm>
+            <a:off x="2834640" y="1188720"/>
+            <a:ext cx="3200400" cy="5212080"/>
+          </a:xfrm>
+          <a:prstGeom prst="rect">
+            <a:avLst/>
+          </a:prstGeom>
+          <a:ln>
+            <a:noFill/>
+          </a:ln>
+        </p:spPr>
+      </p:pic>
+    </p:spTree>
+  </p:cSld>
+  <p:timing>
+    <p:tnLst>
+      <p:par>
+        <p:cTn id="29" dur="indefinite" restart="never" nodeType="tmRoot">
+          <p:childTnLst>
+            <p:seq>
+              <p:cTn id="30" nodeType="mainSeq"/>
+              <p:prevCondLst>
+                <p:cond delay="0" evt="onPrev">
+                  <p:tgtEl>
+                    <p:sldTgt/>
+                  </p:tgtEl>
+                </p:cond>
+              </p:prevCondLst>
+              <p:nextCondLst>
+                <p:cond delay="0" evt="onNext">
+                  <p:tgtEl>
+                    <p:sldTgt/>
+                  </p:tgtEl>
+                </p:cond>
+              </p:nextCondLst>
+            </p:seq>
+          </p:childTnLst>
+        </p:cTn>
+      </p:par>
+    </p:tnLst>
+  </p:timing>
+</p:sld>
+</file>
+
+<file path=ppt/slides/slide16.xml><?xml version="1.0" encoding="utf-8"?>
+<p:sld xmlns:a="http://schemas.openxmlformats.org/drawingml/2006/main" xmlns:p="http://schemas.openxmlformats.org/presentationml/2006/main" xmlns:r="http://schemas.openxmlformats.org/officeDocument/2006/relationships">
+  <p:cSld>
+    <p:spTree>
+      <p:nvGrpSpPr>
+        <p:cNvPr id="1" name=""/>
+        <p:cNvGrpSpPr/>
+        <p:nvPr/>
+      </p:nvGrpSpPr>
+      <p:grpSpPr>
+        <a:xfrm>
+          <a:off x="0" y="0"/>
+          <a:ext cx="0" cy="0"/>
+          <a:chOff x="0" y="0"/>
+          <a:chExt cx="0" cy="0"/>
+        </a:xfrm>
+      </p:grpSpPr>
+      <p:sp>
+        <p:nvSpPr>
+          <p:cNvPr id="121" name="TextShape 1"/>
+          <p:cNvSpPr txBox="1"/>
+          <p:nvPr/>
+        </p:nvSpPr>
+        <p:spPr>
+          <a:xfrm>
+            <a:off x="457200" y="274680"/>
+            <a:ext cx="8229240" cy="1142640"/>
+          </a:xfrm>
+          <a:prstGeom prst="rect">
+            <a:avLst/>
+          </a:prstGeom>
+        </p:spPr>
+        <p:txBody>
+          <a:bodyPr lIns="0" rIns="0" tIns="0" bIns="0" anchor="ctr"/>
+          <a:p>
+            <a:pPr>
+              <a:lnSpc>
+                <a:spcPct val="100000"/>
+              </a:lnSpc>
+            </a:pPr>
+            <a:r>
+              <a:rPr b="1" lang="en-US" sz="4100">
+                <a:solidFill>
+                  <a:srgbClr val="464646"/>
+                </a:solidFill>
+                <a:latin typeface="Lucida Sans Unicode"/>
+              </a:rPr>
+              <a:t>Github Repo</a:t>
+            </a:r>
+            <a:endParaRPr/>
+          </a:p>
+        </p:txBody>
+      </p:sp>
+      <p:sp>
+        <p:nvSpPr>
+          <p:cNvPr id="122" name="TextShape 2"/>
+          <p:cNvSpPr txBox="1"/>
+          <p:nvPr/>
+        </p:nvSpPr>
+        <p:spPr>
+          <a:xfrm>
+            <a:off x="1005840" y="1694160"/>
+            <a:ext cx="1046160" cy="226080"/>
+          </a:xfrm>
+          <a:prstGeom prst="rect">
+            <a:avLst/>
+          </a:prstGeom>
+        </p:spPr>
+        <p:txBody>
+          <a:bodyPr lIns="0" rIns="0" tIns="0" bIns="0"/>
+          <a:p>
+            <a:r>
+              <a:rPr lang="en-US" sz="1600">
+                <a:latin typeface="Times New Roman"/>
+              </a:rPr>
+              <a:t>Github Repo</a:t>
+            </a:r>
+            <a:endParaRPr/>
+          </a:p>
+        </p:txBody>
+      </p:sp>
+    </p:spTree>
+  </p:cSld>
+  <p:timing>
+    <p:tnLst>
+      <p:par>
+        <p:cTn id="31" dur="indefinite" restart="never" nodeType="tmRoot">
+          <p:childTnLst>
+            <p:seq>
+              <p:cTn id="32" nodeType="mainSeq"/>
               <p:prevCondLst>
                 <p:cond delay="0" evt="onPrev">
                   <p:tgtEl>
@@ -3797,8 +4667,16 @@
         <p:txBody>
           <a:bodyPr lIns="90000" rIns="90000" tIns="45000" bIns="45000" anchor="ctr"/>
           <a:p>
+            <a:pPr>
+              <a:lnSpc>
+                <a:spcPct val="100000"/>
+              </a:lnSpc>
+            </a:pPr>
             <a:r>
-              <a:rPr lang="en-US" sz="4100">
+              <a:rPr b="1" lang="en-US" sz="4100">
+                <a:solidFill>
+                  <a:srgbClr val="464646"/>
+                </a:solidFill>
                 <a:latin typeface="Lucida Sans Unicode"/>
               </a:rPr>
               <a:t>Relational Model</a:t>
@@ -3874,12 +4752,523 @@
         <p:txBody>
           <a:bodyPr lIns="0" rIns="0" tIns="0" bIns="0" anchor="ctr"/>
           <a:p>
-            <a:endParaRPr/>
-          </a:p>
-        </p:txBody>
-      </p:sp>
+            <a:pPr>
+              <a:lnSpc>
+                <a:spcPct val="100000"/>
+              </a:lnSpc>
+            </a:pPr>
+            <a:r>
+              <a:rPr b="1" lang="en-US" sz="4100">
+                <a:solidFill>
+                  <a:srgbClr val="464646"/>
+                </a:solidFill>
+                <a:latin typeface="Lucida Sans Unicode"/>
+              </a:rPr>
+              <a:t>Login Page</a:t>
+            </a:r>
+            <a:endParaRPr/>
+          </a:p>
+        </p:txBody>
+      </p:sp>
+      <p:pic>
+        <p:nvPicPr>
+          <p:cNvPr id="100" name="" descr=""/>
+          <p:cNvPicPr/>
+          <p:nvPr/>
+        </p:nvPicPr>
+        <p:blipFill>
+          <a:blip r:embed="rId1"/>
+          <a:srcRect l="-1" t="9598" r="0" b="3991"/>
+          <a:stretch>
+            <a:fillRect/>
+          </a:stretch>
+        </p:blipFill>
+        <p:spPr>
+          <a:xfrm>
+            <a:off x="91440" y="1280160"/>
+            <a:ext cx="8869680" cy="4754880"/>
+          </a:xfrm>
+          <a:prstGeom prst="rect">
+            <a:avLst/>
+          </a:prstGeom>
+          <a:ln>
+            <a:noFill/>
+          </a:ln>
+        </p:spPr>
+      </p:pic>
     </p:spTree>
   </p:cSld>
+  <p:timing>
+    <p:tnLst>
+      <p:par>
+        <p:cTn id="9" dur="indefinite" restart="never" nodeType="tmRoot">
+          <p:childTnLst>
+            <p:seq>
+              <p:cTn id="10" nodeType="mainSeq"/>
+              <p:prevCondLst>
+                <p:cond delay="0" evt="onPrev">
+                  <p:tgtEl>
+                    <p:sldTgt/>
+                  </p:tgtEl>
+                </p:cond>
+              </p:prevCondLst>
+              <p:nextCondLst>
+                <p:cond delay="0" evt="onNext">
+                  <p:tgtEl>
+                    <p:sldTgt/>
+                  </p:tgtEl>
+                </p:cond>
+              </p:nextCondLst>
+            </p:seq>
+          </p:childTnLst>
+        </p:cTn>
+      </p:par>
+    </p:tnLst>
+  </p:timing>
+</p:sld>
+</file>
+
+<file path=ppt/slides/slide6.xml><?xml version="1.0" encoding="utf-8"?>
+<p:sld xmlns:a="http://schemas.openxmlformats.org/drawingml/2006/main" xmlns:p="http://schemas.openxmlformats.org/presentationml/2006/main" xmlns:r="http://schemas.openxmlformats.org/officeDocument/2006/relationships">
+  <p:cSld>
+    <p:spTree>
+      <p:nvGrpSpPr>
+        <p:cNvPr id="1" name=""/>
+        <p:cNvGrpSpPr/>
+        <p:nvPr/>
+      </p:nvGrpSpPr>
+      <p:grpSpPr>
+        <a:xfrm>
+          <a:off x="0" y="0"/>
+          <a:ext cx="0" cy="0"/>
+          <a:chOff x="0" y="0"/>
+          <a:chExt cx="0" cy="0"/>
+        </a:xfrm>
+      </p:grpSpPr>
+      <p:sp>
+        <p:nvSpPr>
+          <p:cNvPr id="101" name="TextShape 1"/>
+          <p:cNvSpPr txBox="1"/>
+          <p:nvPr/>
+        </p:nvSpPr>
+        <p:spPr>
+          <a:xfrm>
+            <a:off x="457200" y="274680"/>
+            <a:ext cx="8229240" cy="1142640"/>
+          </a:xfrm>
+          <a:prstGeom prst="rect">
+            <a:avLst/>
+          </a:prstGeom>
+        </p:spPr>
+        <p:txBody>
+          <a:bodyPr lIns="0" rIns="0" tIns="0" bIns="0" anchor="ctr"/>
+          <a:p>
+            <a:pPr>
+              <a:lnSpc>
+                <a:spcPct val="100000"/>
+              </a:lnSpc>
+            </a:pPr>
+            <a:r>
+              <a:rPr b="1" lang="en-US" sz="4100">
+                <a:solidFill>
+                  <a:srgbClr val="464646"/>
+                </a:solidFill>
+                <a:latin typeface="Lucida Sans Unicode"/>
+              </a:rPr>
+              <a:t>Employee Selection</a:t>
+            </a:r>
+            <a:endParaRPr/>
+          </a:p>
+        </p:txBody>
+      </p:sp>
+      <p:pic>
+        <p:nvPicPr>
+          <p:cNvPr id="102" name="" descr=""/>
+          <p:cNvPicPr/>
+          <p:nvPr/>
+        </p:nvPicPr>
+        <p:blipFill>
+          <a:blip r:embed="rId1"/>
+          <a:srcRect l="0" t="9598" r="0" b="4797"/>
+          <a:stretch>
+            <a:fillRect/>
+          </a:stretch>
+        </p:blipFill>
+        <p:spPr>
+          <a:xfrm>
+            <a:off x="91800" y="1234800"/>
+            <a:ext cx="8960760" cy="4708800"/>
+          </a:xfrm>
+          <a:prstGeom prst="rect">
+            <a:avLst/>
+          </a:prstGeom>
+          <a:ln>
+            <a:noFill/>
+          </a:ln>
+        </p:spPr>
+      </p:pic>
+    </p:spTree>
+  </p:cSld>
+  <p:timing>
+    <p:tnLst>
+      <p:par>
+        <p:cTn id="11" dur="indefinite" restart="never" nodeType="tmRoot">
+          <p:childTnLst>
+            <p:seq>
+              <p:cTn id="12" nodeType="mainSeq"/>
+              <p:prevCondLst>
+                <p:cond delay="0" evt="onPrev">
+                  <p:tgtEl>
+                    <p:sldTgt/>
+                  </p:tgtEl>
+                </p:cond>
+              </p:prevCondLst>
+              <p:nextCondLst>
+                <p:cond delay="0" evt="onNext">
+                  <p:tgtEl>
+                    <p:sldTgt/>
+                  </p:tgtEl>
+                </p:cond>
+              </p:nextCondLst>
+            </p:seq>
+          </p:childTnLst>
+        </p:cTn>
+      </p:par>
+    </p:tnLst>
+  </p:timing>
+</p:sld>
+</file>
+
+<file path=ppt/slides/slide7.xml><?xml version="1.0" encoding="utf-8"?>
+<p:sld xmlns:a="http://schemas.openxmlformats.org/drawingml/2006/main" xmlns:p="http://schemas.openxmlformats.org/presentationml/2006/main" xmlns:r="http://schemas.openxmlformats.org/officeDocument/2006/relationships">
+  <p:cSld>
+    <p:spTree>
+      <p:nvGrpSpPr>
+        <p:cNvPr id="1" name=""/>
+        <p:cNvGrpSpPr/>
+        <p:nvPr/>
+      </p:nvGrpSpPr>
+      <p:grpSpPr>
+        <a:xfrm>
+          <a:off x="0" y="0"/>
+          <a:ext cx="0" cy="0"/>
+          <a:chOff x="0" y="0"/>
+          <a:chExt cx="0" cy="0"/>
+        </a:xfrm>
+      </p:grpSpPr>
+      <p:sp>
+        <p:nvSpPr>
+          <p:cNvPr id="103" name="TextShape 1"/>
+          <p:cNvSpPr txBox="1"/>
+          <p:nvPr/>
+        </p:nvSpPr>
+        <p:spPr>
+          <a:xfrm>
+            <a:off x="457200" y="274680"/>
+            <a:ext cx="8229240" cy="1142640"/>
+          </a:xfrm>
+          <a:prstGeom prst="rect">
+            <a:avLst/>
+          </a:prstGeom>
+        </p:spPr>
+        <p:txBody>
+          <a:bodyPr lIns="0" rIns="0" tIns="0" bIns="0" anchor="ctr"/>
+          <a:p>
+            <a:pPr>
+              <a:lnSpc>
+                <a:spcPct val="100000"/>
+              </a:lnSpc>
+            </a:pPr>
+            <a:r>
+              <a:rPr b="1" lang="en-US" sz="4100">
+                <a:solidFill>
+                  <a:srgbClr val="464646"/>
+                </a:solidFill>
+                <a:latin typeface="Lucida Sans Unicode"/>
+              </a:rPr>
+              <a:t>Admin Selection</a:t>
+            </a:r>
+            <a:endParaRPr/>
+          </a:p>
+        </p:txBody>
+      </p:sp>
+      <p:pic>
+        <p:nvPicPr>
+          <p:cNvPr id="104" name="" descr=""/>
+          <p:cNvPicPr/>
+          <p:nvPr/>
+        </p:nvPicPr>
+        <p:blipFill>
+          <a:blip r:embed="rId1"/>
+          <a:srcRect l="0" t="8772" r="0" b="4816"/>
+          <a:stretch>
+            <a:fillRect/>
+          </a:stretch>
+        </p:blipFill>
+        <p:spPr>
+          <a:xfrm>
+            <a:off x="92160" y="1188720"/>
+            <a:ext cx="8868960" cy="4754880"/>
+          </a:xfrm>
+          <a:prstGeom prst="rect">
+            <a:avLst/>
+          </a:prstGeom>
+          <a:ln>
+            <a:noFill/>
+          </a:ln>
+        </p:spPr>
+      </p:pic>
+    </p:spTree>
+  </p:cSld>
+  <p:timing>
+    <p:tnLst>
+      <p:par>
+        <p:cTn id="13" dur="indefinite" restart="never" nodeType="tmRoot">
+          <p:childTnLst>
+            <p:seq>
+              <p:cTn id="14" nodeType="mainSeq"/>
+              <p:prevCondLst>
+                <p:cond delay="0" evt="onPrev">
+                  <p:tgtEl>
+                    <p:sldTgt/>
+                  </p:tgtEl>
+                </p:cond>
+              </p:prevCondLst>
+              <p:nextCondLst>
+                <p:cond delay="0" evt="onNext">
+                  <p:tgtEl>
+                    <p:sldTgt/>
+                  </p:tgtEl>
+                </p:cond>
+              </p:nextCondLst>
+            </p:seq>
+          </p:childTnLst>
+        </p:cTn>
+      </p:par>
+    </p:tnLst>
+  </p:timing>
+</p:sld>
+</file>
+
+<file path=ppt/slides/slide8.xml><?xml version="1.0" encoding="utf-8"?>
+<p:sld xmlns:a="http://schemas.openxmlformats.org/drawingml/2006/main" xmlns:p="http://schemas.openxmlformats.org/presentationml/2006/main" xmlns:r="http://schemas.openxmlformats.org/officeDocument/2006/relationships">
+  <p:cSld>
+    <p:spTree>
+      <p:nvGrpSpPr>
+        <p:cNvPr id="1" name=""/>
+        <p:cNvGrpSpPr/>
+        <p:nvPr/>
+      </p:nvGrpSpPr>
+      <p:grpSpPr>
+        <a:xfrm>
+          <a:off x="0" y="0"/>
+          <a:ext cx="0" cy="0"/>
+          <a:chOff x="0" y="0"/>
+          <a:chExt cx="0" cy="0"/>
+        </a:xfrm>
+      </p:grpSpPr>
+      <p:sp>
+        <p:nvSpPr>
+          <p:cNvPr id="105" name="TextShape 1"/>
+          <p:cNvSpPr txBox="1"/>
+          <p:nvPr/>
+        </p:nvSpPr>
+        <p:spPr>
+          <a:xfrm>
+            <a:off x="457200" y="274680"/>
+            <a:ext cx="8229240" cy="1142640"/>
+          </a:xfrm>
+          <a:prstGeom prst="rect">
+            <a:avLst/>
+          </a:prstGeom>
+        </p:spPr>
+        <p:txBody>
+          <a:bodyPr lIns="0" rIns="0" tIns="0" bIns="0" anchor="ctr"/>
+          <a:p>
+            <a:pPr>
+              <a:lnSpc>
+                <a:spcPct val="100000"/>
+              </a:lnSpc>
+            </a:pPr>
+            <a:r>
+              <a:rPr b="1" lang="en-US" sz="4100">
+                <a:solidFill>
+                  <a:srgbClr val="464646"/>
+                </a:solidFill>
+                <a:latin typeface="Lucida Sans Unicode"/>
+              </a:rPr>
+              <a:t>Employee RFE View</a:t>
+            </a:r>
+            <a:endParaRPr/>
+          </a:p>
+        </p:txBody>
+      </p:sp>
+      <p:pic>
+        <p:nvPicPr>
+          <p:cNvPr id="106" name="" descr=""/>
+          <p:cNvPicPr/>
+          <p:nvPr/>
+        </p:nvPicPr>
+        <p:blipFill>
+          <a:blip r:embed="rId1"/>
+          <a:srcRect l="0" t="9824" r="994" b="3764"/>
+          <a:stretch>
+            <a:fillRect/>
+          </a:stretch>
+        </p:blipFill>
+        <p:spPr>
+          <a:xfrm>
+            <a:off x="91440" y="1280160"/>
+            <a:ext cx="8961120" cy="4846320"/>
+          </a:xfrm>
+          <a:prstGeom prst="rect">
+            <a:avLst/>
+          </a:prstGeom>
+          <a:ln>
+            <a:noFill/>
+          </a:ln>
+        </p:spPr>
+      </p:pic>
+    </p:spTree>
+  </p:cSld>
+  <p:timing>
+    <p:tnLst>
+      <p:par>
+        <p:cTn id="15" dur="indefinite" restart="never" nodeType="tmRoot">
+          <p:childTnLst>
+            <p:seq>
+              <p:cTn id="16" nodeType="mainSeq"/>
+              <p:prevCondLst>
+                <p:cond delay="0" evt="onPrev">
+                  <p:tgtEl>
+                    <p:sldTgt/>
+                  </p:tgtEl>
+                </p:cond>
+              </p:prevCondLst>
+              <p:nextCondLst>
+                <p:cond delay="0" evt="onNext">
+                  <p:tgtEl>
+                    <p:sldTgt/>
+                  </p:tgtEl>
+                </p:cond>
+              </p:nextCondLst>
+            </p:seq>
+          </p:childTnLst>
+        </p:cTn>
+      </p:par>
+    </p:tnLst>
+  </p:timing>
+</p:sld>
+</file>
+
+<file path=ppt/slides/slide9.xml><?xml version="1.0" encoding="utf-8"?>
+<p:sld xmlns:a="http://schemas.openxmlformats.org/drawingml/2006/main" xmlns:p="http://schemas.openxmlformats.org/presentationml/2006/main" xmlns:r="http://schemas.openxmlformats.org/officeDocument/2006/relationships">
+  <p:cSld>
+    <p:spTree>
+      <p:nvGrpSpPr>
+        <p:cNvPr id="1" name=""/>
+        <p:cNvGrpSpPr/>
+        <p:nvPr/>
+      </p:nvGrpSpPr>
+      <p:grpSpPr>
+        <a:xfrm>
+          <a:off x="0" y="0"/>
+          <a:ext cx="0" cy="0"/>
+          <a:chOff x="0" y="0"/>
+          <a:chExt cx="0" cy="0"/>
+        </a:xfrm>
+      </p:grpSpPr>
+      <p:sp>
+        <p:nvSpPr>
+          <p:cNvPr id="107" name="TextShape 1"/>
+          <p:cNvSpPr txBox="1"/>
+          <p:nvPr/>
+        </p:nvSpPr>
+        <p:spPr>
+          <a:xfrm>
+            <a:off x="457200" y="274680"/>
+            <a:ext cx="8229240" cy="1142640"/>
+          </a:xfrm>
+          <a:prstGeom prst="rect">
+            <a:avLst/>
+          </a:prstGeom>
+        </p:spPr>
+        <p:txBody>
+          <a:bodyPr lIns="0" rIns="0" tIns="0" bIns="0" anchor="ctr"/>
+          <a:p>
+            <a:pPr>
+              <a:lnSpc>
+                <a:spcPct val="100000"/>
+              </a:lnSpc>
+            </a:pPr>
+            <a:r>
+              <a:rPr b="1" lang="en-US" sz="4100">
+                <a:solidFill>
+                  <a:srgbClr val="464646"/>
+                </a:solidFill>
+                <a:latin typeface="Lucida Sans Unicode"/>
+              </a:rPr>
+              <a:t>Employee RFE Info</a:t>
+            </a:r>
+            <a:endParaRPr/>
+          </a:p>
+        </p:txBody>
+      </p:sp>
+      <p:pic>
+        <p:nvPicPr>
+          <p:cNvPr id="108" name="" descr=""/>
+          <p:cNvPicPr/>
+          <p:nvPr/>
+        </p:nvPicPr>
+        <p:blipFill>
+          <a:blip r:embed="rId1"/>
+          <a:srcRect l="0" t="8615" r="1135" b="3373"/>
+          <a:stretch>
+            <a:fillRect/>
+          </a:stretch>
+        </p:blipFill>
+        <p:spPr>
+          <a:xfrm>
+            <a:off x="91440" y="1188720"/>
+            <a:ext cx="8856720" cy="4846320"/>
+          </a:xfrm>
+          <a:prstGeom prst="rect">
+            <a:avLst/>
+          </a:prstGeom>
+          <a:ln>
+            <a:noFill/>
+          </a:ln>
+        </p:spPr>
+      </p:pic>
+    </p:spTree>
+  </p:cSld>
+  <p:timing>
+    <p:tnLst>
+      <p:par>
+        <p:cTn id="17" dur="indefinite" restart="never" nodeType="tmRoot">
+          <p:childTnLst>
+            <p:seq>
+              <p:cTn id="18" nodeType="mainSeq"/>
+              <p:prevCondLst>
+                <p:cond delay="0" evt="onPrev">
+                  <p:tgtEl>
+                    <p:sldTgt/>
+                  </p:tgtEl>
+                </p:cond>
+              </p:prevCondLst>
+              <p:nextCondLst>
+                <p:cond delay="0" evt="onNext">
+                  <p:tgtEl>
+                    <p:sldTgt/>
+                  </p:tgtEl>
+                </p:cond>
+              </p:nextCondLst>
+            </p:seq>
+          </p:childTnLst>
+        </p:cTn>
+      </p:par>
+    </p:tnLst>
+  </p:timing>
 </p:sld>
 </file>
 
